--- a/03 - Delay effects/B - Vibrato/Vibrato.pptx
+++ b/03 - Delay effects/B - Vibrato/Vibrato.pptx
@@ -217,7 +217,7 @@
           <a:p>
             <a:fld id="{58338CC4-4E61-4E88-8B97-D8247B067FE5}" type="datetimeFigureOut">
               <a:rPr lang="en-GB" smtClean="0"/>
-              <a:t>25/11/2023</a:t>
+              <a:t>16/02/2024</a:t>
             </a:fld>
             <a:endParaRPr lang="en-GB"/>
           </a:p>
@@ -1855,7 +1855,7 @@
           <a:p>
             <a:fld id="{748D5B09-12A7-4EF1-A404-D455741B18AB}" type="datetimeFigureOut">
               <a:rPr lang="en-GB" smtClean="0"/>
-              <a:t>25/11/2023</a:t>
+              <a:t>16/02/2024</a:t>
             </a:fld>
             <a:endParaRPr lang="en-GB"/>
           </a:p>
@@ -2055,7 +2055,7 @@
           <a:p>
             <a:fld id="{748D5B09-12A7-4EF1-A404-D455741B18AB}" type="datetimeFigureOut">
               <a:rPr lang="en-GB" smtClean="0"/>
-              <a:t>25/11/2023</a:t>
+              <a:t>16/02/2024</a:t>
             </a:fld>
             <a:endParaRPr lang="en-GB"/>
           </a:p>
@@ -2265,7 +2265,7 @@
           <a:p>
             <a:fld id="{748D5B09-12A7-4EF1-A404-D455741B18AB}" type="datetimeFigureOut">
               <a:rPr lang="en-GB" smtClean="0"/>
-              <a:t>25/11/2023</a:t>
+              <a:t>16/02/2024</a:t>
             </a:fld>
             <a:endParaRPr lang="en-GB"/>
           </a:p>
@@ -3694,7 +3694,7 @@
           <a:p>
             <a:fld id="{748D5B09-12A7-4EF1-A404-D455741B18AB}" type="datetimeFigureOut">
               <a:rPr lang="en-GB" smtClean="0"/>
-              <a:t>25/11/2023</a:t>
+              <a:t>16/02/2024</a:t>
             </a:fld>
             <a:endParaRPr lang="en-GB"/>
           </a:p>
@@ -4322,7 +4322,7 @@
           <a:p>
             <a:fld id="{F8A5948D-6B6B-4AEB-B022-F2A9ADD6F77D}" type="datetimeFigureOut">
               <a:rPr lang="en-GB" smtClean="0"/>
-              <a:t>25/11/2023</a:t>
+              <a:t>16/02/2024</a:t>
             </a:fld>
             <a:endParaRPr lang="en-GB"/>
           </a:p>
@@ -4527,7 +4527,7 @@
           <a:p>
             <a:fld id="{F8A5948D-6B6B-4AEB-B022-F2A9ADD6F77D}" type="datetimeFigureOut">
               <a:rPr lang="en-GB" smtClean="0"/>
-              <a:t>25/11/2023</a:t>
+              <a:t>16/02/2024</a:t>
             </a:fld>
             <a:endParaRPr lang="en-GB"/>
           </a:p>
@@ -4803,7 +4803,7 @@
           <a:p>
             <a:fld id="{F8A5948D-6B6B-4AEB-B022-F2A9ADD6F77D}" type="datetimeFigureOut">
               <a:rPr lang="en-GB" smtClean="0"/>
-              <a:t>25/11/2023</a:t>
+              <a:t>16/02/2024</a:t>
             </a:fld>
             <a:endParaRPr lang="en-GB"/>
           </a:p>
@@ -5071,7 +5071,7 @@
           <a:p>
             <a:fld id="{F8A5948D-6B6B-4AEB-B022-F2A9ADD6F77D}" type="datetimeFigureOut">
               <a:rPr lang="en-GB" smtClean="0"/>
-              <a:t>25/11/2023</a:t>
+              <a:t>16/02/2024</a:t>
             </a:fld>
             <a:endParaRPr lang="en-GB"/>
           </a:p>
@@ -5486,7 +5486,7 @@
           <a:p>
             <a:fld id="{F8A5948D-6B6B-4AEB-B022-F2A9ADD6F77D}" type="datetimeFigureOut">
               <a:rPr lang="en-GB" smtClean="0"/>
-              <a:t>25/11/2023</a:t>
+              <a:t>16/02/2024</a:t>
             </a:fld>
             <a:endParaRPr lang="en-GB"/>
           </a:p>
@@ -5628,7 +5628,7 @@
           <a:p>
             <a:fld id="{F8A5948D-6B6B-4AEB-B022-F2A9ADD6F77D}" type="datetimeFigureOut">
               <a:rPr lang="en-GB" smtClean="0"/>
-              <a:t>25/11/2023</a:t>
+              <a:t>16/02/2024</a:t>
             </a:fld>
             <a:endParaRPr lang="en-GB"/>
           </a:p>
@@ -5741,7 +5741,7 @@
           <a:p>
             <a:fld id="{F8A5948D-6B6B-4AEB-B022-F2A9ADD6F77D}" type="datetimeFigureOut">
               <a:rPr lang="en-GB" smtClean="0"/>
-              <a:t>25/11/2023</a:t>
+              <a:t>16/02/2024</a:t>
             </a:fld>
             <a:endParaRPr lang="en-GB"/>
           </a:p>
@@ -6017,7 +6017,7 @@
           <a:p>
             <a:fld id="{748D5B09-12A7-4EF1-A404-D455741B18AB}" type="datetimeFigureOut">
               <a:rPr lang="en-GB" smtClean="0"/>
-              <a:t>25/11/2023</a:t>
+              <a:t>16/02/2024</a:t>
             </a:fld>
             <a:endParaRPr lang="en-GB"/>
           </a:p>
@@ -6330,7 +6330,7 @@
           <a:p>
             <a:fld id="{F8A5948D-6B6B-4AEB-B022-F2A9ADD6F77D}" type="datetimeFigureOut">
               <a:rPr lang="en-GB" smtClean="0"/>
-              <a:t>25/11/2023</a:t>
+              <a:t>16/02/2024</a:t>
             </a:fld>
             <a:endParaRPr lang="en-GB"/>
           </a:p>
@@ -6619,7 +6619,7 @@
           <a:p>
             <a:fld id="{F8A5948D-6B6B-4AEB-B022-F2A9ADD6F77D}" type="datetimeFigureOut">
               <a:rPr lang="en-GB" smtClean="0"/>
-              <a:t>25/11/2023</a:t>
+              <a:t>16/02/2024</a:t>
             </a:fld>
             <a:endParaRPr lang="en-GB"/>
           </a:p>
@@ -6819,7 +6819,7 @@
           <a:p>
             <a:fld id="{F8A5948D-6B6B-4AEB-B022-F2A9ADD6F77D}" type="datetimeFigureOut">
               <a:rPr lang="en-GB" smtClean="0"/>
-              <a:t>25/11/2023</a:t>
+              <a:t>16/02/2024</a:t>
             </a:fld>
             <a:endParaRPr lang="en-GB"/>
           </a:p>
@@ -7029,7 +7029,7 @@
           <a:p>
             <a:fld id="{F8A5948D-6B6B-4AEB-B022-F2A9ADD6F77D}" type="datetimeFigureOut">
               <a:rPr lang="en-GB" smtClean="0"/>
-              <a:t>25/11/2023</a:t>
+              <a:t>16/02/2024</a:t>
             </a:fld>
             <a:endParaRPr lang="en-GB"/>
           </a:p>
@@ -7297,7 +7297,7 @@
           <a:p>
             <a:fld id="{748D5B09-12A7-4EF1-A404-D455741B18AB}" type="datetimeFigureOut">
               <a:rPr lang="en-GB" smtClean="0"/>
-              <a:t>25/11/2023</a:t>
+              <a:t>16/02/2024</a:t>
             </a:fld>
             <a:endParaRPr lang="en-GB"/>
           </a:p>
@@ -7712,7 +7712,7 @@
           <a:p>
             <a:fld id="{748D5B09-12A7-4EF1-A404-D455741B18AB}" type="datetimeFigureOut">
               <a:rPr lang="en-GB" smtClean="0"/>
-              <a:t>25/11/2023</a:t>
+              <a:t>16/02/2024</a:t>
             </a:fld>
             <a:endParaRPr lang="en-GB"/>
           </a:p>
@@ -7854,7 +7854,7 @@
           <a:p>
             <a:fld id="{748D5B09-12A7-4EF1-A404-D455741B18AB}" type="datetimeFigureOut">
               <a:rPr lang="en-GB" smtClean="0"/>
-              <a:t>25/11/2023</a:t>
+              <a:t>16/02/2024</a:t>
             </a:fld>
             <a:endParaRPr lang="en-GB"/>
           </a:p>
@@ -7967,7 +7967,7 @@
           <a:p>
             <a:fld id="{748D5B09-12A7-4EF1-A404-D455741B18AB}" type="datetimeFigureOut">
               <a:rPr lang="en-GB" smtClean="0"/>
-              <a:t>25/11/2023</a:t>
+              <a:t>16/02/2024</a:t>
             </a:fld>
             <a:endParaRPr lang="en-GB"/>
           </a:p>
@@ -8280,7 +8280,7 @@
           <a:p>
             <a:fld id="{748D5B09-12A7-4EF1-A404-D455741B18AB}" type="datetimeFigureOut">
               <a:rPr lang="en-GB" smtClean="0"/>
-              <a:t>25/11/2023</a:t>
+              <a:t>16/02/2024</a:t>
             </a:fld>
             <a:endParaRPr lang="en-GB"/>
           </a:p>
@@ -8569,7 +8569,7 @@
           <a:p>
             <a:fld id="{748D5B09-12A7-4EF1-A404-D455741B18AB}" type="datetimeFigureOut">
               <a:rPr lang="en-GB" smtClean="0"/>
-              <a:t>25/11/2023</a:t>
+              <a:t>16/02/2024</a:t>
             </a:fld>
             <a:endParaRPr lang="en-GB"/>
           </a:p>
@@ -8812,7 +8812,7 @@
           <a:p>
             <a:fld id="{748D5B09-12A7-4EF1-A404-D455741B18AB}" type="datetimeFigureOut">
               <a:rPr lang="en-GB" smtClean="0"/>
-              <a:t>25/11/2023</a:t>
+              <a:t>16/02/2024</a:t>
             </a:fld>
             <a:endParaRPr lang="en-GB"/>
           </a:p>
@@ -10048,7 +10048,7 @@
           <a:p>
             <a:fld id="{F8A5948D-6B6B-4AEB-B022-F2A9ADD6F77D}" type="datetimeFigureOut">
               <a:rPr lang="en-GB" smtClean="0"/>
-              <a:t>25/11/2023</a:t>
+              <a:t>16/02/2024</a:t>
             </a:fld>
             <a:endParaRPr lang="en-GB"/>
           </a:p>
@@ -21327,7 +21327,7 @@
         <p:spPr>
           <a:xfrm>
             <a:off x="130631" y="2174852"/>
-            <a:ext cx="11916226" cy="3323987"/>
+            <a:ext cx="11916226" cy="3416320"/>
           </a:xfrm>
           <a:prstGeom prst="rect">
             <a:avLst/>
@@ -22069,6 +22069,21 @@
             </a:r>
           </a:p>
           <a:p>
+            <a:r>
+              <a:rPr kumimoji="0" lang="en-GB" sz="1800" b="0" i="0" u="none" strike="noStrike" kern="1200" cap="none" spc="0" normalizeH="0" baseline="0" noProof="0" dirty="0">
+                <a:ln>
+                  <a:noFill/>
+                </a:ln>
+                <a:solidFill>
+                  <a:srgbClr val="000000"/>
+                </a:solidFill>
+                <a:effectLst/>
+                <a:uLnTx/>
+                <a:uFillTx/>
+                <a:latin typeface="Cascadia Mono" panose="020B0609020000020004" pitchFamily="49" charset="0"/>
+              </a:rPr>
+              <a:t>}</a:t>
+            </a:r>
             <a:endParaRPr lang="en-GB" sz="1200" dirty="0">
               <a:solidFill>
                 <a:srgbClr val="000000"/>
